--- a/Repi.pptx
+++ b/Repi.pptx
@@ -5326,6 +5326,35 @@
           </a:p>
         </p:txBody>
       </p:sp>
+      <p:pic>
+        <p:nvPicPr>
+          <p:cNvPr id="6" name="Рисунок 5">
+            <a:extLst>
+              <a:ext uri="{FF2B5EF4-FFF2-40B4-BE49-F238E27FC236}">
+                <a16:creationId xmlns:a16="http://schemas.microsoft.com/office/drawing/2014/main" id="{96C14494-E207-4E3E-8BF6-F2CCCD91303C}"/>
+              </a:ext>
+            </a:extLst>
+          </p:cNvPr>
+          <p:cNvPicPr>
+            <a:picLocks noChangeAspect="1"/>
+          </p:cNvPicPr>
+          <p:nvPr/>
+        </p:nvPicPr>
+        <p:blipFill rotWithShape="1">
+          <a:blip r:embed="rId2"/>
+          <a:srcRect l="4445" t="19551" r="4416" b="23750"/>
+          <a:stretch/>
+        </p:blipFill>
+        <p:spPr>
+          <a:xfrm>
+            <a:off x="9139120" y="2893037"/>
+            <a:ext cx="2849057" cy="3752417"/>
+          </a:xfrm>
+          <a:prstGeom prst="rect">
+            <a:avLst/>
+          </a:prstGeom>
+        </p:spPr>
+      </p:pic>
     </p:spTree>
     <p:extLst>
       <p:ext uri="{BB962C8B-B14F-4D97-AF65-F5344CB8AC3E}">
@@ -5968,6 +5997,105 @@
                                         <p:tav tm="0">
                                           <p:val>
                                             <p:strVal val="1+#ppt_h/2"/>
+                                          </p:val>
+                                        </p:tav>
+                                        <p:tav tm="100000">
+                                          <p:val>
+                                            <p:strVal val="#ppt_y"/>
+                                          </p:val>
+                                        </p:tav>
+                                      </p:tavLst>
+                                    </p:anim>
+                                  </p:childTnLst>
+                                </p:cTn>
+                              </p:par>
+                            </p:childTnLst>
+                          </p:cTn>
+                        </p:par>
+                      </p:childTnLst>
+                    </p:cTn>
+                  </p:par>
+                  <p:par>
+                    <p:cTn id="40" fill="hold">
+                      <p:stCondLst>
+                        <p:cond delay="indefinite"/>
+                      </p:stCondLst>
+                      <p:childTnLst>
+                        <p:par>
+                          <p:cTn id="41" fill="hold">
+                            <p:stCondLst>
+                              <p:cond delay="0"/>
+                            </p:stCondLst>
+                            <p:childTnLst>
+                              <p:par>
+                                <p:cTn id="42" presetID="42" presetClass="entr" presetSubtype="0" fill="hold" nodeType="clickEffect">
+                                  <p:stCondLst>
+                                    <p:cond delay="0"/>
+                                  </p:stCondLst>
+                                  <p:childTnLst>
+                                    <p:set>
+                                      <p:cBhvr>
+                                        <p:cTn id="43" dur="1" fill="hold">
+                                          <p:stCondLst>
+                                            <p:cond delay="0"/>
+                                          </p:stCondLst>
+                                        </p:cTn>
+                                        <p:tgtEl>
+                                          <p:spTgt spid="6"/>
+                                        </p:tgtEl>
+                                        <p:attrNameLst>
+                                          <p:attrName>style.visibility</p:attrName>
+                                        </p:attrNameLst>
+                                      </p:cBhvr>
+                                      <p:to>
+                                        <p:strVal val="visible"/>
+                                      </p:to>
+                                    </p:set>
+                                    <p:animEffect transition="in" filter="fade">
+                                      <p:cBhvr>
+                                        <p:cTn id="44" dur="1000"/>
+                                        <p:tgtEl>
+                                          <p:spTgt spid="6"/>
+                                        </p:tgtEl>
+                                      </p:cBhvr>
+                                    </p:animEffect>
+                                    <p:anim calcmode="lin" valueType="num">
+                                      <p:cBhvr>
+                                        <p:cTn id="45" dur="1000" fill="hold"/>
+                                        <p:tgtEl>
+                                          <p:spTgt spid="6"/>
+                                        </p:tgtEl>
+                                        <p:attrNameLst>
+                                          <p:attrName>ppt_x</p:attrName>
+                                        </p:attrNameLst>
+                                      </p:cBhvr>
+                                      <p:tavLst>
+                                        <p:tav tm="0">
+                                          <p:val>
+                                            <p:strVal val="#ppt_x"/>
+                                          </p:val>
+                                        </p:tav>
+                                        <p:tav tm="100000">
+                                          <p:val>
+                                            <p:strVal val="#ppt_x"/>
+                                          </p:val>
+                                        </p:tav>
+                                      </p:tavLst>
+                                    </p:anim>
+                                    <p:anim calcmode="lin" valueType="num">
+                                      <p:cBhvr>
+                                        <p:cTn id="46" dur="1000" fill="hold"/>
+                                        <p:tgtEl>
+                                          <p:spTgt spid="6"/>
+                                        </p:tgtEl>
+                                        <p:attrNameLst>
+                                          <p:attrName>ppt_y</p:attrName>
+                                        </p:attrNameLst>
+                                      </p:cBhvr>
+                                      <p:tavLst>
+                                        <p:tav tm="0">
+                                          <p:val>
+                                            <p:strVal val="#ppt_y+.1"/>
                                           </p:val>
                                         </p:tav>
                                         <p:tav tm="100000">
@@ -6809,7 +6937,7 @@
               <a:t> ошибки со стороннего </a:t>
             </a:r>
             <a:r>
-              <a:rPr lang="en-US" sz="2800" dirty="0">
+              <a:rPr lang="en-US" sz="2800" dirty="0" err="1">
                 <a:solidFill>
                   <a:srgbClr val="008989"/>
                 </a:solidFill>
